--- a/class diagram.pptx
+++ b/class diagram.pptx
@@ -104,13 +104,18 @@
       </a:defRPr>
     </a:lvl9pPr>
   </p:defaultTextStyle>
+  <p:extLst>
+    <p:ext uri="{EFAFB233-063F-42B5-8137-9DF3F51BA10A}">
+      <p15:sldGuideLst xmlns:p15="http://schemas.microsoft.com/office/powerpoint/2012/main"/>
+    </p:ext>
+  </p:extLst>
 </p:presentation>
 </file>
 
 <file path=ppt/revisionInfo.xml><?xml version="1.0" encoding="utf-8"?>
 <p1510:revInfo xmlns:a="http://schemas.openxmlformats.org/drawingml/2006/main" xmlns:r="http://schemas.openxmlformats.org/officeDocument/2006/relationships" xmlns:p1510="http://schemas.microsoft.com/office/powerpoint/2015/10/main">
   <p1510:revLst>
-    <p1510:client id="{650D4FBA-450E-4BA1-A6DF-F6C28E425181}" v="2" dt="2024-08-01T16:14:23.737"/>
+    <p1510:client id="{650D4FBA-450E-4BA1-A6DF-F6C28E425181}" v="3" dt="2024-08-01T16:20:52.485"/>
   </p1510:revLst>
 </p1510:revInfo>
 </file>
@@ -119,13 +124,13 @@
 <pc:chgInfo xmlns:a="http://schemas.openxmlformats.org/drawingml/2006/main" xmlns:r="http://schemas.openxmlformats.org/officeDocument/2006/relationships" xmlns:ac="http://schemas.microsoft.com/office/drawing/2013/main/command" xmlns:pc="http://schemas.microsoft.com/office/powerpoint/2013/main/command">
   <pc:docChgLst>
     <pc:chgData name="Nana fouvle Yaaba Nkrumah" userId="eaa3eadf-a028-4f6e-a4c6-eb72b55113c9" providerId="ADAL" clId="{650D4FBA-450E-4BA1-A6DF-F6C28E425181}"/>
-    <pc:docChg chg="modSld">
-      <pc:chgData name="Nana fouvle Yaaba Nkrumah" userId="eaa3eadf-a028-4f6e-a4c6-eb72b55113c9" providerId="ADAL" clId="{650D4FBA-450E-4BA1-A6DF-F6C28E425181}" dt="2024-08-01T16:14:32.375" v="10" actId="20577"/>
+    <pc:docChg chg="undo custSel modSld">
+      <pc:chgData name="Nana fouvle Yaaba Nkrumah" userId="eaa3eadf-a028-4f6e-a4c6-eb72b55113c9" providerId="ADAL" clId="{650D4FBA-450E-4BA1-A6DF-F6C28E425181}" dt="2024-08-01T16:27:05.337" v="162" actId="1076"/>
       <pc:docMkLst>
         <pc:docMk/>
       </pc:docMkLst>
-      <pc:sldChg chg="addSp modSp mod">
-        <pc:chgData name="Nana fouvle Yaaba Nkrumah" userId="eaa3eadf-a028-4f6e-a4c6-eb72b55113c9" providerId="ADAL" clId="{650D4FBA-450E-4BA1-A6DF-F6C28E425181}" dt="2024-08-01T16:14:32.375" v="10" actId="20577"/>
+      <pc:sldChg chg="addSp delSp modSp mod">
+        <pc:chgData name="Nana fouvle Yaaba Nkrumah" userId="eaa3eadf-a028-4f6e-a4c6-eb72b55113c9" providerId="ADAL" clId="{650D4FBA-450E-4BA1-A6DF-F6C28E425181}" dt="2024-08-01T16:27:05.337" v="162" actId="1076"/>
         <pc:sldMkLst>
           <pc:docMk/>
           <pc:sldMk cId="3565315421" sldId="256"/>
@@ -139,7 +144,15 @@
           </ac:spMkLst>
         </pc:spChg>
         <pc:spChg chg="add mod">
-          <ac:chgData name="Nana fouvle Yaaba Nkrumah" userId="eaa3eadf-a028-4f6e-a4c6-eb72b55113c9" providerId="ADAL" clId="{650D4FBA-450E-4BA1-A6DF-F6C28E425181}" dt="2024-08-01T16:14:32.375" v="10" actId="20577"/>
+          <ac:chgData name="Nana fouvle Yaaba Nkrumah" userId="eaa3eadf-a028-4f6e-a4c6-eb72b55113c9" providerId="ADAL" clId="{650D4FBA-450E-4BA1-A6DF-F6C28E425181}" dt="2024-08-01T16:27:05.337" v="162" actId="1076"/>
+          <ac:spMkLst>
+            <pc:docMk/>
+            <pc:sldMk cId="3565315421" sldId="256"/>
+            <ac:spMk id="13" creationId="{E82DA449-BE3F-6377-1174-84FDC214D669}"/>
+          </ac:spMkLst>
+        </pc:spChg>
+        <pc:spChg chg="add mod">
+          <ac:chgData name="Nana fouvle Yaaba Nkrumah" userId="eaa3eadf-a028-4f6e-a4c6-eb72b55113c9" providerId="ADAL" clId="{650D4FBA-450E-4BA1-A6DF-F6C28E425181}" dt="2024-08-01T16:26:47.218" v="159" actId="1076"/>
           <ac:spMkLst>
             <pc:docMk/>
             <pc:sldMk cId="3565315421" sldId="256"/>
@@ -147,13 +160,29 @@
           </ac:spMkLst>
         </pc:spChg>
         <pc:grpChg chg="add mod">
-          <ac:chgData name="Nana fouvle Yaaba Nkrumah" userId="eaa3eadf-a028-4f6e-a4c6-eb72b55113c9" providerId="ADAL" clId="{650D4FBA-450E-4BA1-A6DF-F6C28E425181}" dt="2024-08-01T16:13:59.531" v="0" actId="164"/>
+          <ac:chgData name="Nana fouvle Yaaba Nkrumah" userId="eaa3eadf-a028-4f6e-a4c6-eb72b55113c9" providerId="ADAL" clId="{650D4FBA-450E-4BA1-A6DF-F6C28E425181}" dt="2024-08-01T16:26:31.221" v="157" actId="1076"/>
           <ac:grpSpMkLst>
             <pc:docMk/>
             <pc:sldMk cId="3565315421" sldId="256"/>
             <ac:grpSpMk id="23" creationId="{0496B674-AA85-C9B4-6E34-412283D25431}"/>
           </ac:grpSpMkLst>
         </pc:grpChg>
+        <pc:cxnChg chg="add del mod">
+          <ac:chgData name="Nana fouvle Yaaba Nkrumah" userId="eaa3eadf-a028-4f6e-a4c6-eb72b55113c9" providerId="ADAL" clId="{650D4FBA-450E-4BA1-A6DF-F6C28E425181}" dt="2024-08-01T16:18:51.124" v="12" actId="11529"/>
+          <ac:cxnSpMkLst>
+            <pc:docMk/>
+            <pc:sldMk cId="3565315421" sldId="256"/>
+            <ac:cxnSpMk id="3" creationId="{0BF5BFEB-F995-DD9F-5F24-888F298AEEBF}"/>
+          </ac:cxnSpMkLst>
+        </pc:cxnChg>
+        <pc:cxnChg chg="add mod">
+          <ac:chgData name="Nana fouvle Yaaba Nkrumah" userId="eaa3eadf-a028-4f6e-a4c6-eb72b55113c9" providerId="ADAL" clId="{650D4FBA-450E-4BA1-A6DF-F6C28E425181}" dt="2024-08-01T16:26:59.639" v="161" actId="14100"/>
+          <ac:cxnSpMkLst>
+            <pc:docMk/>
+            <pc:sldMk cId="3565315421" sldId="256"/>
+            <ac:cxnSpMk id="7" creationId="{BABD8360-FCD8-1FBB-525C-A3DBD6B5D18F}"/>
+          </ac:cxnSpMkLst>
+        </pc:cxnChg>
         <pc:cxnChg chg="mod">
           <ac:chgData name="Nana fouvle Yaaba Nkrumah" userId="eaa3eadf-a028-4f6e-a4c6-eb72b55113c9" providerId="ADAL" clId="{650D4FBA-450E-4BA1-A6DF-F6C28E425181}" dt="2024-08-01T16:13:59.531" v="0" actId="164"/>
           <ac:cxnSpMkLst>
@@ -3642,8 +3671,8 @@
         </p:nvGrpSpPr>
         <p:grpSpPr>
           <a:xfrm>
-            <a:off x="5661137" y="1159553"/>
-            <a:ext cx="2924063" cy="2636196"/>
+            <a:off x="5505674" y="1159553"/>
+            <a:ext cx="5413263" cy="2636196"/>
             <a:chOff x="5661137" y="1159553"/>
             <a:chExt cx="2924063" cy="2636196"/>
           </a:xfrm>
@@ -3745,7 +3774,7 @@
         </p:nvSpPr>
         <p:spPr>
           <a:xfrm>
-            <a:off x="6096000" y="1159553"/>
+            <a:off x="7411034" y="1123244"/>
             <a:ext cx="1913467" cy="369332"/>
           </a:xfrm>
           <a:prstGeom prst="rect">
@@ -3763,6 +3792,151 @@
               <a:rPr lang="en-US" dirty="0" err="1"/>
               <a:t>EventList</a:t>
             </a:r>
+            <a:endParaRPr lang="en-US" dirty="0"/>
+          </a:p>
+        </p:txBody>
+      </p:sp>
+      <p:cxnSp>
+        <p:nvCxnSpPr>
+          <p:cNvPr id="7" name="Straight Connector 6">
+            <a:extLst>
+              <a:ext uri="{FF2B5EF4-FFF2-40B4-BE49-F238E27FC236}">
+                <a16:creationId xmlns:a16="http://schemas.microsoft.com/office/drawing/2014/main" id="{BABD8360-FCD8-1FBB-525C-A3DBD6B5D18F}"/>
+              </a:ext>
+            </a:extLst>
+          </p:cNvPr>
+          <p:cNvCxnSpPr>
+            <a:cxnSpLocks/>
+          </p:cNvCxnSpPr>
+          <p:nvPr/>
+        </p:nvCxnSpPr>
+        <p:spPr>
+          <a:xfrm>
+            <a:off x="5505674" y="1693334"/>
+            <a:ext cx="5413263" cy="0"/>
+          </a:xfrm>
+          <a:prstGeom prst="line">
+            <a:avLst/>
+          </a:prstGeom>
+        </p:spPr>
+        <p:style>
+          <a:lnRef idx="2">
+            <a:schemeClr val="dk1"/>
+          </a:lnRef>
+          <a:fillRef idx="0">
+            <a:schemeClr val="dk1"/>
+          </a:fillRef>
+          <a:effectRef idx="1">
+            <a:schemeClr val="dk1"/>
+          </a:effectRef>
+          <a:fontRef idx="minor">
+            <a:schemeClr val="tx1"/>
+          </a:fontRef>
+        </p:style>
+      </p:cxnSp>
+      <p:sp>
+        <p:nvSpPr>
+          <p:cNvPr id="13" name="TextBox 12">
+            <a:extLst>
+              <a:ext uri="{FF2B5EF4-FFF2-40B4-BE49-F238E27FC236}">
+                <a16:creationId xmlns:a16="http://schemas.microsoft.com/office/drawing/2014/main" id="{E82DA449-BE3F-6377-1174-84FDC214D669}"/>
+              </a:ext>
+            </a:extLst>
+          </p:cNvPr>
+          <p:cNvSpPr txBox="1"/>
+          <p:nvPr/>
+        </p:nvSpPr>
+        <p:spPr>
+          <a:xfrm>
+            <a:off x="5505674" y="1784139"/>
+            <a:ext cx="5413262" cy="2308324"/>
+          </a:xfrm>
+          <a:prstGeom prst="rect">
+            <a:avLst/>
+          </a:prstGeom>
+          <a:noFill/>
+        </p:spPr>
+        <p:txBody>
+          <a:bodyPr wrap="square" rtlCol="0">
+            <a:spAutoFit/>
+          </a:bodyPr>
+          <a:lstStyle/>
+          <a:p>
+            <a:r>
+              <a:rPr lang="en-US" dirty="0"/>
+              <a:t>+add(Event event):</a:t>
+            </a:r>
+            <a:r>
+              <a:rPr lang="en-US" dirty="0" err="1"/>
+              <a:t>boolean</a:t>
+            </a:r>
+            <a:endParaRPr lang="en-US" dirty="0"/>
+          </a:p>
+          <a:p>
+            <a:r>
+              <a:rPr lang="en-US" dirty="0"/>
+              <a:t>+remove(String </a:t>
+            </a:r>
+            <a:r>
+              <a:rPr lang="en-US" dirty="0" err="1"/>
+              <a:t>eventID</a:t>
+            </a:r>
+            <a:r>
+              <a:rPr lang="en-US" dirty="0"/>
+              <a:t>): </a:t>
+            </a:r>
+            <a:r>
+              <a:rPr lang="en-US" dirty="0" err="1"/>
+              <a:t>boolean</a:t>
+            </a:r>
+            <a:endParaRPr lang="en-US" dirty="0"/>
+          </a:p>
+          <a:p>
+            <a:r>
+              <a:rPr lang="en-US" dirty="0"/>
+              <a:t>+</a:t>
+            </a:r>
+            <a:r>
+              <a:rPr lang="en-US" dirty="0" err="1"/>
+              <a:t>modifyEvent</a:t>
+            </a:r>
+            <a:r>
+              <a:rPr lang="en-US" dirty="0"/>
+              <a:t>(String </a:t>
+            </a:r>
+            <a:r>
+              <a:rPr lang="en-US" dirty="0" err="1"/>
+              <a:t>eventID</a:t>
+            </a:r>
+            <a:r>
+              <a:rPr lang="en-US" dirty="0"/>
+              <a:t>, String attribute, Object </a:t>
+            </a:r>
+            <a:r>
+              <a:rPr lang="en-US" dirty="0" err="1"/>
+              <a:t>newValue</a:t>
+            </a:r>
+            <a:r>
+              <a:rPr lang="en-US" dirty="0"/>
+              <a:t>): Boolean</a:t>
+            </a:r>
+          </a:p>
+          <a:p>
+            <a:r>
+              <a:rPr lang="en-US" dirty="0"/>
+              <a:t>+search(String attribute, Object value): String[]</a:t>
+            </a:r>
+          </a:p>
+          <a:p>
+            <a:r>
+              <a:rPr lang="en-US" dirty="0"/>
+              <a:t>+view(String attribute, Object value): void</a:t>
+            </a:r>
+          </a:p>
+          <a:p>
+            <a:endParaRPr lang="en-US" dirty="0"/>
+          </a:p>
+          <a:p>
             <a:endParaRPr lang="en-US" dirty="0"/>
           </a:p>
         </p:txBody>

--- a/class diagram.pptx
+++ b/class diagram.pptx
@@ -115,7 +115,7 @@
 <file path=ppt/revisionInfo.xml><?xml version="1.0" encoding="utf-8"?>
 <p1510:revInfo xmlns:a="http://schemas.openxmlformats.org/drawingml/2006/main" xmlns:r="http://schemas.openxmlformats.org/officeDocument/2006/relationships" xmlns:p1510="http://schemas.microsoft.com/office/powerpoint/2015/10/main">
   <p1510:revLst>
-    <p1510:client id="{650D4FBA-450E-4BA1-A6DF-F6C28E425181}" v="3" dt="2024-08-01T16:20:52.485"/>
+    <p1510:client id="{650D4FBA-450E-4BA1-A6DF-F6C28E425181}" v="6" dt="2024-08-02T00:07:40.638"/>
   </p1510:revLst>
 </p1510:revInfo>
 </file>
@@ -125,12 +125,12 @@
   <pc:docChgLst>
     <pc:chgData name="Nana fouvle Yaaba Nkrumah" userId="eaa3eadf-a028-4f6e-a4c6-eb72b55113c9" providerId="ADAL" clId="{650D4FBA-450E-4BA1-A6DF-F6C28E425181}"/>
     <pc:docChg chg="undo custSel modSld">
-      <pc:chgData name="Nana fouvle Yaaba Nkrumah" userId="eaa3eadf-a028-4f6e-a4c6-eb72b55113c9" providerId="ADAL" clId="{650D4FBA-450E-4BA1-A6DF-F6C28E425181}" dt="2024-08-01T16:27:05.337" v="162" actId="1076"/>
+      <pc:chgData name="Nana fouvle Yaaba Nkrumah" userId="eaa3eadf-a028-4f6e-a4c6-eb72b55113c9" providerId="ADAL" clId="{650D4FBA-450E-4BA1-A6DF-F6C28E425181}" dt="2024-08-02T00:09:52.182" v="237" actId="20577"/>
       <pc:docMkLst>
         <pc:docMk/>
       </pc:docMkLst>
       <pc:sldChg chg="addSp delSp modSp mod">
-        <pc:chgData name="Nana fouvle Yaaba Nkrumah" userId="eaa3eadf-a028-4f6e-a4c6-eb72b55113c9" providerId="ADAL" clId="{650D4FBA-450E-4BA1-A6DF-F6C28E425181}" dt="2024-08-01T16:27:05.337" v="162" actId="1076"/>
+        <pc:chgData name="Nana fouvle Yaaba Nkrumah" userId="eaa3eadf-a028-4f6e-a4c6-eb72b55113c9" providerId="ADAL" clId="{650D4FBA-450E-4BA1-A6DF-F6C28E425181}" dt="2024-08-02T00:09:52.182" v="237" actId="20577"/>
         <pc:sldMkLst>
           <pc:docMk/>
           <pc:sldMk cId="3565315421" sldId="256"/>
@@ -143,16 +143,40 @@
             <ac:spMk id="4" creationId="{A8C26FD3-C3B6-67FC-EC84-58BFF82C49DF}"/>
           </ac:spMkLst>
         </pc:spChg>
+        <pc:spChg chg="mod">
+          <ac:chgData name="Nana fouvle Yaaba Nkrumah" userId="eaa3eadf-a028-4f6e-a4c6-eb72b55113c9" providerId="ADAL" clId="{650D4FBA-450E-4BA1-A6DF-F6C28E425181}" dt="2024-08-02T00:07:29.697" v="201" actId="20577"/>
+          <ac:spMkLst>
+            <pc:docMk/>
+            <pc:sldMk cId="3565315421" sldId="256"/>
+            <ac:spMk id="8" creationId="{B3C342D0-6C3D-5842-D5DD-A4717B2EEFC5}"/>
+          </ac:spMkLst>
+        </pc:spChg>
         <pc:spChg chg="add mod">
-          <ac:chgData name="Nana fouvle Yaaba Nkrumah" userId="eaa3eadf-a028-4f6e-a4c6-eb72b55113c9" providerId="ADAL" clId="{650D4FBA-450E-4BA1-A6DF-F6C28E425181}" dt="2024-08-01T16:27:05.337" v="162" actId="1076"/>
+          <ac:chgData name="Nana fouvle Yaaba Nkrumah" userId="eaa3eadf-a028-4f6e-a4c6-eb72b55113c9" providerId="ADAL" clId="{650D4FBA-450E-4BA1-A6DF-F6C28E425181}" dt="2024-08-02T00:08:30.201" v="207" actId="404"/>
           <ac:spMkLst>
             <pc:docMk/>
             <pc:sldMk cId="3565315421" sldId="256"/>
             <ac:spMk id="13" creationId="{E82DA449-BE3F-6377-1174-84FDC214D669}"/>
           </ac:spMkLst>
         </pc:spChg>
+        <pc:spChg chg="mod">
+          <ac:chgData name="Nana fouvle Yaaba Nkrumah" userId="eaa3eadf-a028-4f6e-a4c6-eb72b55113c9" providerId="ADAL" clId="{650D4FBA-450E-4BA1-A6DF-F6C28E425181}" dt="2024-08-02T00:07:06.644" v="189"/>
+          <ac:spMkLst>
+            <pc:docMk/>
+            <pc:sldMk cId="3565315421" sldId="256"/>
+            <ac:spMk id="14" creationId="{A6A0D6D1-44C0-39D4-ACAE-DACD822CDB8B}"/>
+          </ac:spMkLst>
+        </pc:spChg>
         <pc:spChg chg="add mod">
-          <ac:chgData name="Nana fouvle Yaaba Nkrumah" userId="eaa3eadf-a028-4f6e-a4c6-eb72b55113c9" providerId="ADAL" clId="{650D4FBA-450E-4BA1-A6DF-F6C28E425181}" dt="2024-08-01T16:26:47.218" v="159" actId="1076"/>
+          <ac:chgData name="Nana fouvle Yaaba Nkrumah" userId="eaa3eadf-a028-4f6e-a4c6-eb72b55113c9" providerId="ADAL" clId="{650D4FBA-450E-4BA1-A6DF-F6C28E425181}" dt="2024-08-02T00:09:52.182" v="237" actId="20577"/>
+          <ac:spMkLst>
+            <pc:docMk/>
+            <pc:sldMk cId="3565315421" sldId="256"/>
+            <ac:spMk id="16" creationId="{542AD4EC-F902-B76B-C685-15842E6B577C}"/>
+          </ac:spMkLst>
+        </pc:spChg>
+        <pc:spChg chg="add mod">
+          <ac:chgData name="Nana fouvle Yaaba Nkrumah" userId="eaa3eadf-a028-4f6e-a4c6-eb72b55113c9" providerId="ADAL" clId="{650D4FBA-450E-4BA1-A6DF-F6C28E425181}" dt="2024-08-02T00:06:57.543" v="188" actId="164"/>
           <ac:spMkLst>
             <pc:docMk/>
             <pc:sldMk cId="3565315421" sldId="256"/>
@@ -160,7 +184,31 @@
           </ac:spMkLst>
         </pc:spChg>
         <pc:grpChg chg="add mod">
-          <ac:chgData name="Nana fouvle Yaaba Nkrumah" userId="eaa3eadf-a028-4f6e-a4c6-eb72b55113c9" providerId="ADAL" clId="{650D4FBA-450E-4BA1-A6DF-F6C28E425181}" dt="2024-08-01T16:26:31.221" v="157" actId="1076"/>
+          <ac:chgData name="Nana fouvle Yaaba Nkrumah" userId="eaa3eadf-a028-4f6e-a4c6-eb72b55113c9" providerId="ADAL" clId="{650D4FBA-450E-4BA1-A6DF-F6C28E425181}" dt="2024-08-02T00:06:57.543" v="188" actId="164"/>
+          <ac:grpSpMkLst>
+            <pc:docMk/>
+            <pc:sldMk cId="3565315421" sldId="256"/>
+            <ac:grpSpMk id="2" creationId="{B122ABD3-5DEB-CD79-686F-C3298FB944AA}"/>
+          </ac:grpSpMkLst>
+        </pc:grpChg>
+        <pc:grpChg chg="add mod">
+          <ac:chgData name="Nana fouvle Yaaba Nkrumah" userId="eaa3eadf-a028-4f6e-a4c6-eb72b55113c9" providerId="ADAL" clId="{650D4FBA-450E-4BA1-A6DF-F6C28E425181}" dt="2024-08-02T00:07:11.789" v="190" actId="1076"/>
+          <ac:grpSpMkLst>
+            <pc:docMk/>
+            <pc:sldMk cId="3565315421" sldId="256"/>
+            <ac:grpSpMk id="3" creationId="{B848ACF6-463E-E7B4-37EE-02474995B8A8}"/>
+          </ac:grpSpMkLst>
+        </pc:grpChg>
+        <pc:grpChg chg="mod">
+          <ac:chgData name="Nana fouvle Yaaba Nkrumah" userId="eaa3eadf-a028-4f6e-a4c6-eb72b55113c9" providerId="ADAL" clId="{650D4FBA-450E-4BA1-A6DF-F6C28E425181}" dt="2024-08-02T00:07:06.644" v="189"/>
+          <ac:grpSpMkLst>
+            <pc:docMk/>
+            <pc:sldMk cId="3565315421" sldId="256"/>
+            <ac:grpSpMk id="5" creationId="{8CD0F1B7-8C24-9535-7C59-F66F5CB6B4DC}"/>
+          </ac:grpSpMkLst>
+        </pc:grpChg>
+        <pc:grpChg chg="add mod">
+          <ac:chgData name="Nana fouvle Yaaba Nkrumah" userId="eaa3eadf-a028-4f6e-a4c6-eb72b55113c9" providerId="ADAL" clId="{650D4FBA-450E-4BA1-A6DF-F6C28E425181}" dt="2024-08-02T00:06:57.543" v="188" actId="164"/>
           <ac:grpSpMkLst>
             <pc:docMk/>
             <pc:sldMk cId="3565315421" sldId="256"/>
@@ -176,11 +224,27 @@
           </ac:cxnSpMkLst>
         </pc:cxnChg>
         <pc:cxnChg chg="add mod">
-          <ac:chgData name="Nana fouvle Yaaba Nkrumah" userId="eaa3eadf-a028-4f6e-a4c6-eb72b55113c9" providerId="ADAL" clId="{650D4FBA-450E-4BA1-A6DF-F6C28E425181}" dt="2024-08-01T16:26:59.639" v="161" actId="14100"/>
+          <ac:chgData name="Nana fouvle Yaaba Nkrumah" userId="eaa3eadf-a028-4f6e-a4c6-eb72b55113c9" providerId="ADAL" clId="{650D4FBA-450E-4BA1-A6DF-F6C28E425181}" dt="2024-08-02T00:06:57.543" v="188" actId="164"/>
           <ac:cxnSpMkLst>
             <pc:docMk/>
             <pc:sldMk cId="3565315421" sldId="256"/>
             <ac:cxnSpMk id="7" creationId="{BABD8360-FCD8-1FBB-525C-A3DBD6B5D18F}"/>
+          </ac:cxnSpMkLst>
+        </pc:cxnChg>
+        <pc:cxnChg chg="mod">
+          <ac:chgData name="Nana fouvle Yaaba Nkrumah" userId="eaa3eadf-a028-4f6e-a4c6-eb72b55113c9" providerId="ADAL" clId="{650D4FBA-450E-4BA1-A6DF-F6C28E425181}" dt="2024-08-02T00:07:06.644" v="189"/>
+          <ac:cxnSpMkLst>
+            <pc:docMk/>
+            <pc:sldMk cId="3565315421" sldId="256"/>
+            <ac:cxnSpMk id="11" creationId="{698F0613-741C-1AD1-66BA-ADDA5EB71E10}"/>
+          </ac:cxnSpMkLst>
+        </pc:cxnChg>
+        <pc:cxnChg chg="mod">
+          <ac:chgData name="Nana fouvle Yaaba Nkrumah" userId="eaa3eadf-a028-4f6e-a4c6-eb72b55113c9" providerId="ADAL" clId="{650D4FBA-450E-4BA1-A6DF-F6C28E425181}" dt="2024-08-02T00:07:06.644" v="189"/>
+          <ac:cxnSpMkLst>
+            <pc:docMk/>
+            <pc:sldMk cId="3565315421" sldId="256"/>
+            <ac:cxnSpMk id="15" creationId="{E00D4B43-F6B5-A4E1-0B25-3C5268C8407E}"/>
           </ac:cxnSpMkLst>
         </pc:cxnChg>
         <pc:cxnChg chg="mod">
@@ -344,7 +408,7 @@
           <a:p>
             <a:fld id="{1D96FE7C-0410-4623-A437-BE90D9918C29}" type="datetimeFigureOut">
               <a:rPr lang="en-US" smtClean="0"/>
-              <a:t>8/1/2024</a:t>
+              <a:t>8/2/2024</a:t>
             </a:fld>
             <a:endParaRPr lang="en-US"/>
           </a:p>
@@ -542,7 +606,7 @@
           <a:p>
             <a:fld id="{1D96FE7C-0410-4623-A437-BE90D9918C29}" type="datetimeFigureOut">
               <a:rPr lang="en-US" smtClean="0"/>
-              <a:t>8/1/2024</a:t>
+              <a:t>8/2/2024</a:t>
             </a:fld>
             <a:endParaRPr lang="en-US"/>
           </a:p>
@@ -750,7 +814,7 @@
           <a:p>
             <a:fld id="{1D96FE7C-0410-4623-A437-BE90D9918C29}" type="datetimeFigureOut">
               <a:rPr lang="en-US" smtClean="0"/>
-              <a:t>8/1/2024</a:t>
+              <a:t>8/2/2024</a:t>
             </a:fld>
             <a:endParaRPr lang="en-US"/>
           </a:p>
@@ -948,7 +1012,7 @@
           <a:p>
             <a:fld id="{1D96FE7C-0410-4623-A437-BE90D9918C29}" type="datetimeFigureOut">
               <a:rPr lang="en-US" smtClean="0"/>
-              <a:t>8/1/2024</a:t>
+              <a:t>8/2/2024</a:t>
             </a:fld>
             <a:endParaRPr lang="en-US"/>
           </a:p>
@@ -1223,7 +1287,7 @@
           <a:p>
             <a:fld id="{1D96FE7C-0410-4623-A437-BE90D9918C29}" type="datetimeFigureOut">
               <a:rPr lang="en-US" smtClean="0"/>
-              <a:t>8/1/2024</a:t>
+              <a:t>8/2/2024</a:t>
             </a:fld>
             <a:endParaRPr lang="en-US"/>
           </a:p>
@@ -1488,7 +1552,7 @@
           <a:p>
             <a:fld id="{1D96FE7C-0410-4623-A437-BE90D9918C29}" type="datetimeFigureOut">
               <a:rPr lang="en-US" smtClean="0"/>
-              <a:t>8/1/2024</a:t>
+              <a:t>8/2/2024</a:t>
             </a:fld>
             <a:endParaRPr lang="en-US"/>
           </a:p>
@@ -1900,7 +1964,7 @@
           <a:p>
             <a:fld id="{1D96FE7C-0410-4623-A437-BE90D9918C29}" type="datetimeFigureOut">
               <a:rPr lang="en-US" smtClean="0"/>
-              <a:t>8/1/2024</a:t>
+              <a:t>8/2/2024</a:t>
             </a:fld>
             <a:endParaRPr lang="en-US"/>
           </a:p>
@@ -2041,7 +2105,7 @@
           <a:p>
             <a:fld id="{1D96FE7C-0410-4623-A437-BE90D9918C29}" type="datetimeFigureOut">
               <a:rPr lang="en-US" smtClean="0"/>
-              <a:t>8/1/2024</a:t>
+              <a:t>8/2/2024</a:t>
             </a:fld>
             <a:endParaRPr lang="en-US"/>
           </a:p>
@@ -2154,7 +2218,7 @@
           <a:p>
             <a:fld id="{1D96FE7C-0410-4623-A437-BE90D9918C29}" type="datetimeFigureOut">
               <a:rPr lang="en-US" smtClean="0"/>
-              <a:t>8/1/2024</a:t>
+              <a:t>8/2/2024</a:t>
             </a:fld>
             <a:endParaRPr lang="en-US"/>
           </a:p>
@@ -2465,7 +2529,7 @@
           <a:p>
             <a:fld id="{1D96FE7C-0410-4623-A437-BE90D9918C29}" type="datetimeFigureOut">
               <a:rPr lang="en-US" smtClean="0"/>
-              <a:t>8/1/2024</a:t>
+              <a:t>8/2/2024</a:t>
             </a:fld>
             <a:endParaRPr lang="en-US"/>
           </a:p>
@@ -2753,7 +2817,7 @@
           <a:p>
             <a:fld id="{1D96FE7C-0410-4623-A437-BE90D9918C29}" type="datetimeFigureOut">
               <a:rPr lang="en-US" smtClean="0"/>
-              <a:t>8/1/2024</a:t>
+              <a:t>8/2/2024</a:t>
             </a:fld>
             <a:endParaRPr lang="en-US"/>
           </a:p>
@@ -2994,7 +3058,7 @@
           <a:p>
             <a:fld id="{1D96FE7C-0410-4623-A437-BE90D9918C29}" type="datetimeFigureOut">
               <a:rPr lang="en-US" smtClean="0"/>
-              <a:t>8/1/2024</a:t>
+              <a:t>8/2/2024</a:t>
             </a:fld>
             <a:endParaRPr lang="en-US"/>
           </a:p>
@@ -3659,10 +3723,10 @@
       </p:grpSp>
       <p:grpSp>
         <p:nvGrpSpPr>
-          <p:cNvPr id="23" name="Group 22">
-            <a:extLst>
-              <a:ext uri="{FF2B5EF4-FFF2-40B4-BE49-F238E27FC236}">
-                <a16:creationId xmlns:a16="http://schemas.microsoft.com/office/drawing/2014/main" id="{0496B674-AA85-C9B4-6E34-412283D25431}"/>
+          <p:cNvPr id="2" name="Group 1">
+            <a:extLst>
+              <a:ext uri="{FF2B5EF4-FFF2-40B4-BE49-F238E27FC236}">
+                <a16:creationId xmlns:a16="http://schemas.microsoft.com/office/drawing/2014/main" id="{B122ABD3-5DEB-CD79-686F-C3298FB944AA}"/>
               </a:ext>
             </a:extLst>
           </p:cNvPr>
@@ -3671,62 +3735,157 @@
         </p:nvGrpSpPr>
         <p:grpSpPr>
           <a:xfrm>
-            <a:off x="5505674" y="1159553"/>
-            <a:ext cx="5413263" cy="2636196"/>
-            <a:chOff x="5661137" y="1159553"/>
-            <a:chExt cx="2924063" cy="2636196"/>
+            <a:off x="5505674" y="1123244"/>
+            <a:ext cx="5413263" cy="2672505"/>
+            <a:chOff x="5505674" y="1123244"/>
+            <a:chExt cx="5413263" cy="2672505"/>
           </a:xfrm>
         </p:grpSpPr>
-        <p:sp>
-          <p:nvSpPr>
-            <p:cNvPr id="4" name="Rectangle 3">
+        <p:grpSp>
+          <p:nvGrpSpPr>
+            <p:cNvPr id="23" name="Group 22">
               <a:extLst>
                 <a:ext uri="{FF2B5EF4-FFF2-40B4-BE49-F238E27FC236}">
-                  <a16:creationId xmlns:a16="http://schemas.microsoft.com/office/drawing/2014/main" id="{A8C26FD3-C3B6-67FC-EC84-58BFF82C49DF}"/>
+                  <a16:creationId xmlns:a16="http://schemas.microsoft.com/office/drawing/2014/main" id="{0496B674-AA85-C9B4-6E34-412283D25431}"/>
                 </a:ext>
               </a:extLst>
             </p:cNvPr>
-            <p:cNvSpPr/>
+            <p:cNvGrpSpPr/>
+            <p:nvPr/>
+          </p:nvGrpSpPr>
+          <p:grpSpPr>
+            <a:xfrm>
+              <a:off x="5505674" y="1159553"/>
+              <a:ext cx="5413263" cy="2636196"/>
+              <a:chOff x="5661137" y="1159553"/>
+              <a:chExt cx="2924063" cy="2636196"/>
+            </a:xfrm>
+          </p:grpSpPr>
+          <p:sp>
+            <p:nvSpPr>
+              <p:cNvPr id="4" name="Rectangle 3">
+                <a:extLst>
+                  <a:ext uri="{FF2B5EF4-FFF2-40B4-BE49-F238E27FC236}">
+                    <a16:creationId xmlns:a16="http://schemas.microsoft.com/office/drawing/2014/main" id="{A8C26FD3-C3B6-67FC-EC84-58BFF82C49DF}"/>
+                  </a:ext>
+                </a:extLst>
+              </p:cNvPr>
+              <p:cNvSpPr/>
+              <p:nvPr/>
+            </p:nvSpPr>
+            <p:spPr>
+              <a:xfrm>
+                <a:off x="5661137" y="1159553"/>
+                <a:ext cx="2924063" cy="2636196"/>
+              </a:xfrm>
+              <a:prstGeom prst="rect">
+                <a:avLst/>
+              </a:prstGeom>
+            </p:spPr>
+            <p:style>
+              <a:lnRef idx="2">
+                <a:schemeClr val="dk1"/>
+              </a:lnRef>
+              <a:fillRef idx="0">
+                <a:schemeClr val="dk1"/>
+              </a:fillRef>
+              <a:effectRef idx="1">
+                <a:schemeClr val="dk1"/>
+              </a:effectRef>
+              <a:fontRef idx="minor">
+                <a:schemeClr val="tx1"/>
+              </a:fontRef>
+            </p:style>
+            <p:txBody>
+              <a:bodyPr rtlCol="0" anchor="ctr"/>
+              <a:lstStyle/>
+              <a:p>
+                <a:pPr algn="ctr"/>
+                <a:endParaRPr lang="en-US" dirty="0"/>
+              </a:p>
+            </p:txBody>
+          </p:sp>
+          <p:cxnSp>
+            <p:nvCxnSpPr>
+              <p:cNvPr id="18" name="Straight Connector 17">
+                <a:extLst>
+                  <a:ext uri="{FF2B5EF4-FFF2-40B4-BE49-F238E27FC236}">
+                    <a16:creationId xmlns:a16="http://schemas.microsoft.com/office/drawing/2014/main" id="{13F8C90B-3876-067B-3F2F-90792B80B87A}"/>
+                  </a:ext>
+                </a:extLst>
+              </p:cNvPr>
+              <p:cNvCxnSpPr>
+                <a:cxnSpLocks/>
+              </p:cNvCxnSpPr>
+              <p:nvPr/>
+            </p:nvCxnSpPr>
+            <p:spPr>
+              <a:xfrm>
+                <a:off x="5661137" y="1456267"/>
+                <a:ext cx="2924063" cy="0"/>
+              </a:xfrm>
+              <a:prstGeom prst="line">
+                <a:avLst/>
+              </a:prstGeom>
+            </p:spPr>
+            <p:style>
+              <a:lnRef idx="2">
+                <a:schemeClr val="dk1"/>
+              </a:lnRef>
+              <a:fillRef idx="0">
+                <a:schemeClr val="dk1"/>
+              </a:fillRef>
+              <a:effectRef idx="1">
+                <a:schemeClr val="dk1"/>
+              </a:effectRef>
+              <a:fontRef idx="minor">
+                <a:schemeClr val="tx1"/>
+              </a:fontRef>
+            </p:style>
+          </p:cxnSp>
+        </p:grpSp>
+        <p:sp>
+          <p:nvSpPr>
+            <p:cNvPr id="24" name="TextBox 23">
+              <a:extLst>
+                <a:ext uri="{FF2B5EF4-FFF2-40B4-BE49-F238E27FC236}">
+                  <a16:creationId xmlns:a16="http://schemas.microsoft.com/office/drawing/2014/main" id="{2A104687-979D-10C6-E40D-D04D72A0E03D}"/>
+                </a:ext>
+              </a:extLst>
+            </p:cNvPr>
+            <p:cNvSpPr txBox="1"/>
             <p:nvPr/>
           </p:nvSpPr>
           <p:spPr>
             <a:xfrm>
-              <a:off x="5661137" y="1159553"/>
-              <a:ext cx="2924063" cy="2636196"/>
+              <a:off x="7411034" y="1123244"/>
+              <a:ext cx="1913467" cy="369332"/>
             </a:xfrm>
             <a:prstGeom prst="rect">
               <a:avLst/>
             </a:prstGeom>
+            <a:noFill/>
           </p:spPr>
-          <p:style>
-            <a:lnRef idx="2">
-              <a:schemeClr val="dk1"/>
-            </a:lnRef>
-            <a:fillRef idx="0">
-              <a:schemeClr val="dk1"/>
-            </a:fillRef>
-            <a:effectRef idx="1">
-              <a:schemeClr val="dk1"/>
-            </a:effectRef>
-            <a:fontRef idx="minor">
-              <a:schemeClr val="tx1"/>
-            </a:fontRef>
-          </p:style>
           <p:txBody>
-            <a:bodyPr rtlCol="0" anchor="ctr"/>
+            <a:bodyPr wrap="square" rtlCol="0">
+              <a:spAutoFit/>
+            </a:bodyPr>
             <a:lstStyle/>
             <a:p>
-              <a:pPr algn="ctr"/>
+              <a:r>
+                <a:rPr lang="en-US" dirty="0" err="1"/>
+                <a:t>EventList</a:t>
+              </a:r>
               <a:endParaRPr lang="en-US" dirty="0"/>
             </a:p>
           </p:txBody>
         </p:sp>
         <p:cxnSp>
           <p:nvCxnSpPr>
-            <p:cNvPr id="18" name="Straight Connector 17">
+            <p:cNvPr id="7" name="Straight Connector 6">
               <a:extLst>
                 <a:ext uri="{FF2B5EF4-FFF2-40B4-BE49-F238E27FC236}">
-                  <a16:creationId xmlns:a16="http://schemas.microsoft.com/office/drawing/2014/main" id="{13F8C90B-3876-067B-3F2F-90792B80B87A}"/>
+                  <a16:creationId xmlns:a16="http://schemas.microsoft.com/office/drawing/2014/main" id="{BABD8360-FCD8-1FBB-525C-A3DBD6B5D18F}"/>
                 </a:ext>
               </a:extLst>
             </p:cNvPr>
@@ -3737,8 +3896,8 @@
           </p:nvCxnSpPr>
           <p:spPr>
             <a:xfrm>
-              <a:off x="5661137" y="1456267"/>
-              <a:ext cx="2924063" cy="0"/>
+              <a:off x="5505674" y="1693334"/>
+              <a:ext cx="5413263" cy="0"/>
             </a:xfrm>
             <a:prstGeom prst="line">
               <a:avLst/>
@@ -3762,10 +3921,10 @@
       </p:grpSp>
       <p:sp>
         <p:nvSpPr>
-          <p:cNvPr id="24" name="TextBox 23">
-            <a:extLst>
-              <a:ext uri="{FF2B5EF4-FFF2-40B4-BE49-F238E27FC236}">
-                <a16:creationId xmlns:a16="http://schemas.microsoft.com/office/drawing/2014/main" id="{2A104687-979D-10C6-E40D-D04D72A0E03D}"/>
+          <p:cNvPr id="13" name="TextBox 12">
+            <a:extLst>
+              <a:ext uri="{FF2B5EF4-FFF2-40B4-BE49-F238E27FC236}">
+                <a16:creationId xmlns:a16="http://schemas.microsoft.com/office/drawing/2014/main" id="{E82DA449-BE3F-6377-1174-84FDC214D669}"/>
               </a:ext>
             </a:extLst>
           </p:cNvPr>
@@ -3774,8 +3933,8 @@
         </p:nvSpPr>
         <p:spPr>
           <a:xfrm>
-            <a:off x="7411034" y="1123244"/>
-            <a:ext cx="1913467" cy="369332"/>
+            <a:off x="5505674" y="1784139"/>
+            <a:ext cx="5413262" cy="2031325"/>
           </a:xfrm>
           <a:prstGeom prst="rect">
             <a:avLst/>
@@ -3789,67 +3948,312 @@
           <a:lstStyle/>
           <a:p>
             <a:r>
-              <a:rPr lang="en-US" dirty="0" err="1"/>
-              <a:t>EventList</a:t>
-            </a:r>
-            <a:endParaRPr lang="en-US" dirty="0"/>
-          </a:p>
-        </p:txBody>
-      </p:sp>
-      <p:cxnSp>
-        <p:nvCxnSpPr>
-          <p:cNvPr id="7" name="Straight Connector 6">
-            <a:extLst>
-              <a:ext uri="{FF2B5EF4-FFF2-40B4-BE49-F238E27FC236}">
-                <a16:creationId xmlns:a16="http://schemas.microsoft.com/office/drawing/2014/main" id="{BABD8360-FCD8-1FBB-525C-A3DBD6B5D18F}"/>
-              </a:ext>
-            </a:extLst>
-          </p:cNvPr>
-          <p:cNvCxnSpPr>
-            <a:cxnSpLocks/>
-          </p:cNvCxnSpPr>
+              <a:rPr lang="en-US" sz="1400" dirty="0"/>
+              <a:t>+add(Event event):</a:t>
+            </a:r>
+            <a:r>
+              <a:rPr lang="en-US" sz="1400" dirty="0" err="1"/>
+              <a:t>boolean</a:t>
+            </a:r>
+            <a:endParaRPr lang="en-US" sz="1400" dirty="0"/>
+          </a:p>
+          <a:p>
+            <a:r>
+              <a:rPr lang="en-US" sz="1400" dirty="0"/>
+              <a:t>+remove(String </a:t>
+            </a:r>
+            <a:r>
+              <a:rPr lang="en-US" sz="1400" dirty="0" err="1"/>
+              <a:t>eventID</a:t>
+            </a:r>
+            <a:r>
+              <a:rPr lang="en-US" sz="1400" dirty="0"/>
+              <a:t>): </a:t>
+            </a:r>
+            <a:r>
+              <a:rPr lang="en-US" sz="1400" dirty="0" err="1"/>
+              <a:t>boolean</a:t>
+            </a:r>
+            <a:endParaRPr lang="en-US" sz="1400" dirty="0"/>
+          </a:p>
+          <a:p>
+            <a:r>
+              <a:rPr lang="en-US" sz="1400" dirty="0"/>
+              <a:t>+</a:t>
+            </a:r>
+            <a:r>
+              <a:rPr lang="en-US" sz="1400" dirty="0" err="1"/>
+              <a:t>modifyEvent</a:t>
+            </a:r>
+            <a:r>
+              <a:rPr lang="en-US" sz="1400" dirty="0"/>
+              <a:t>(String </a:t>
+            </a:r>
+            <a:r>
+              <a:rPr lang="en-US" sz="1400" dirty="0" err="1"/>
+              <a:t>eventID</a:t>
+            </a:r>
+            <a:r>
+              <a:rPr lang="en-US" sz="1400" dirty="0"/>
+              <a:t>, String attribute, Object </a:t>
+            </a:r>
+            <a:r>
+              <a:rPr lang="en-US" sz="1400" dirty="0" err="1"/>
+              <a:t>newValue</a:t>
+            </a:r>
+            <a:r>
+              <a:rPr lang="en-US" sz="1400" dirty="0"/>
+              <a:t>): Boolean</a:t>
+            </a:r>
+          </a:p>
+          <a:p>
+            <a:r>
+              <a:rPr lang="en-US" sz="1400" dirty="0"/>
+              <a:t>+search(String attribute, Object value): String[]</a:t>
+            </a:r>
+          </a:p>
+          <a:p>
+            <a:r>
+              <a:rPr lang="en-US" sz="1400" dirty="0"/>
+              <a:t>+view(String attribute, Object value): void</a:t>
+            </a:r>
+          </a:p>
+          <a:p>
+            <a:r>
+              <a:rPr lang="en-US" sz="1400" dirty="0"/>
+              <a:t>+</a:t>
+            </a:r>
+            <a:r>
+              <a:rPr lang="en-US" sz="1400" dirty="0" err="1"/>
+              <a:t>getEvents</a:t>
+            </a:r>
+            <a:r>
+              <a:rPr lang="en-US" sz="1400" dirty="0"/>
+              <a:t>(): Set&lt;Event&gt;</a:t>
+            </a:r>
+          </a:p>
+          <a:p>
+            <a:endParaRPr lang="en-US" sz="1400" dirty="0"/>
+          </a:p>
+          <a:p>
+            <a:endParaRPr lang="en-US" sz="1400" dirty="0"/>
+          </a:p>
+        </p:txBody>
+      </p:sp>
+      <p:grpSp>
+        <p:nvGrpSpPr>
+          <p:cNvPr id="3" name="Group 2">
+            <a:extLst>
+              <a:ext uri="{FF2B5EF4-FFF2-40B4-BE49-F238E27FC236}">
+                <a16:creationId xmlns:a16="http://schemas.microsoft.com/office/drawing/2014/main" id="{B848ACF6-463E-E7B4-37EE-02474995B8A8}"/>
+              </a:ext>
+            </a:extLst>
+          </p:cNvPr>
+          <p:cNvGrpSpPr/>
           <p:nvPr/>
-        </p:nvCxnSpPr>
+        </p:nvGrpSpPr>
+        <p:grpSpPr>
+          <a:xfrm>
+            <a:off x="849007" y="3886553"/>
+            <a:ext cx="5413263" cy="2672505"/>
+            <a:chOff x="5505674" y="1123244"/>
+            <a:chExt cx="5413263" cy="2672505"/>
+          </a:xfrm>
+        </p:grpSpPr>
+        <p:grpSp>
+          <p:nvGrpSpPr>
+            <p:cNvPr id="5" name="Group 4">
+              <a:extLst>
+                <a:ext uri="{FF2B5EF4-FFF2-40B4-BE49-F238E27FC236}">
+                  <a16:creationId xmlns:a16="http://schemas.microsoft.com/office/drawing/2014/main" id="{8CD0F1B7-8C24-9535-7C59-F66F5CB6B4DC}"/>
+                </a:ext>
+              </a:extLst>
+            </p:cNvPr>
+            <p:cNvGrpSpPr/>
+            <p:nvPr/>
+          </p:nvGrpSpPr>
+          <p:grpSpPr>
+            <a:xfrm>
+              <a:off x="5505674" y="1159553"/>
+              <a:ext cx="5413263" cy="2636196"/>
+              <a:chOff x="5661137" y="1159553"/>
+              <a:chExt cx="2924063" cy="2636196"/>
+            </a:xfrm>
+          </p:grpSpPr>
+          <p:sp>
+            <p:nvSpPr>
+              <p:cNvPr id="14" name="Rectangle 13">
+                <a:extLst>
+                  <a:ext uri="{FF2B5EF4-FFF2-40B4-BE49-F238E27FC236}">
+                    <a16:creationId xmlns:a16="http://schemas.microsoft.com/office/drawing/2014/main" id="{A6A0D6D1-44C0-39D4-ACAE-DACD822CDB8B}"/>
+                  </a:ext>
+                </a:extLst>
+              </p:cNvPr>
+              <p:cNvSpPr/>
+              <p:nvPr/>
+            </p:nvSpPr>
+            <p:spPr>
+              <a:xfrm>
+                <a:off x="5661137" y="1159553"/>
+                <a:ext cx="2924063" cy="2636196"/>
+              </a:xfrm>
+              <a:prstGeom prst="rect">
+                <a:avLst/>
+              </a:prstGeom>
+            </p:spPr>
+            <p:style>
+              <a:lnRef idx="2">
+                <a:schemeClr val="dk1"/>
+              </a:lnRef>
+              <a:fillRef idx="0">
+                <a:schemeClr val="dk1"/>
+              </a:fillRef>
+              <a:effectRef idx="1">
+                <a:schemeClr val="dk1"/>
+              </a:effectRef>
+              <a:fontRef idx="minor">
+                <a:schemeClr val="tx1"/>
+              </a:fontRef>
+            </p:style>
+            <p:txBody>
+              <a:bodyPr rtlCol="0" anchor="ctr"/>
+              <a:lstStyle/>
+              <a:p>
+                <a:pPr algn="ctr"/>
+                <a:endParaRPr lang="en-US" dirty="0"/>
+              </a:p>
+            </p:txBody>
+          </p:sp>
+          <p:cxnSp>
+            <p:nvCxnSpPr>
+              <p:cNvPr id="15" name="Straight Connector 14">
+                <a:extLst>
+                  <a:ext uri="{FF2B5EF4-FFF2-40B4-BE49-F238E27FC236}">
+                    <a16:creationId xmlns:a16="http://schemas.microsoft.com/office/drawing/2014/main" id="{E00D4B43-F6B5-A4E1-0B25-3C5268C8407E}"/>
+                  </a:ext>
+                </a:extLst>
+              </p:cNvPr>
+              <p:cNvCxnSpPr>
+                <a:cxnSpLocks/>
+              </p:cNvCxnSpPr>
+              <p:nvPr/>
+            </p:nvCxnSpPr>
+            <p:spPr>
+              <a:xfrm>
+                <a:off x="5661137" y="1456267"/>
+                <a:ext cx="2924063" cy="0"/>
+              </a:xfrm>
+              <a:prstGeom prst="line">
+                <a:avLst/>
+              </a:prstGeom>
+            </p:spPr>
+            <p:style>
+              <a:lnRef idx="2">
+                <a:schemeClr val="dk1"/>
+              </a:lnRef>
+              <a:fillRef idx="0">
+                <a:schemeClr val="dk1"/>
+              </a:fillRef>
+              <a:effectRef idx="1">
+                <a:schemeClr val="dk1"/>
+              </a:effectRef>
+              <a:fontRef idx="minor">
+                <a:schemeClr val="tx1"/>
+              </a:fontRef>
+            </p:style>
+          </p:cxnSp>
+        </p:grpSp>
+        <p:sp>
+          <p:nvSpPr>
+            <p:cNvPr id="8" name="TextBox 7">
+              <a:extLst>
+                <a:ext uri="{FF2B5EF4-FFF2-40B4-BE49-F238E27FC236}">
+                  <a16:creationId xmlns:a16="http://schemas.microsoft.com/office/drawing/2014/main" id="{B3C342D0-6C3D-5842-D5DD-A4717B2EEFC5}"/>
+                </a:ext>
+              </a:extLst>
+            </p:cNvPr>
+            <p:cNvSpPr txBox="1"/>
+            <p:nvPr/>
+          </p:nvSpPr>
+          <p:spPr>
+            <a:xfrm>
+              <a:off x="7411034" y="1123244"/>
+              <a:ext cx="1913467" cy="369332"/>
+            </a:xfrm>
+            <a:prstGeom prst="rect">
+              <a:avLst/>
+            </a:prstGeom>
+            <a:noFill/>
+          </p:spPr>
+          <p:txBody>
+            <a:bodyPr wrap="square" rtlCol="0">
+              <a:spAutoFit/>
+            </a:bodyPr>
+            <a:lstStyle/>
+            <a:p>
+              <a:r>
+                <a:rPr lang="en-US" dirty="0" err="1"/>
+                <a:t>EventSummary</a:t>
+              </a:r>
+              <a:endParaRPr lang="en-US" dirty="0"/>
+            </a:p>
+          </p:txBody>
+        </p:sp>
+        <p:cxnSp>
+          <p:nvCxnSpPr>
+            <p:cNvPr id="11" name="Straight Connector 10">
+              <a:extLst>
+                <a:ext uri="{FF2B5EF4-FFF2-40B4-BE49-F238E27FC236}">
+                  <a16:creationId xmlns:a16="http://schemas.microsoft.com/office/drawing/2014/main" id="{698F0613-741C-1AD1-66BA-ADDA5EB71E10}"/>
+                </a:ext>
+              </a:extLst>
+            </p:cNvPr>
+            <p:cNvCxnSpPr>
+              <a:cxnSpLocks/>
+            </p:cNvCxnSpPr>
+            <p:nvPr/>
+          </p:nvCxnSpPr>
+          <p:spPr>
+            <a:xfrm>
+              <a:off x="5505674" y="1693334"/>
+              <a:ext cx="5413263" cy="0"/>
+            </a:xfrm>
+            <a:prstGeom prst="line">
+              <a:avLst/>
+            </a:prstGeom>
+          </p:spPr>
+          <p:style>
+            <a:lnRef idx="2">
+              <a:schemeClr val="dk1"/>
+            </a:lnRef>
+            <a:fillRef idx="0">
+              <a:schemeClr val="dk1"/>
+            </a:fillRef>
+            <a:effectRef idx="1">
+              <a:schemeClr val="dk1"/>
+            </a:effectRef>
+            <a:fontRef idx="minor">
+              <a:schemeClr val="tx1"/>
+            </a:fontRef>
+          </p:style>
+        </p:cxnSp>
+      </p:grpSp>
+      <p:sp>
+        <p:nvSpPr>
+          <p:cNvPr id="16" name="TextBox 15">
+            <a:extLst>
+              <a:ext uri="{FF2B5EF4-FFF2-40B4-BE49-F238E27FC236}">
+                <a16:creationId xmlns:a16="http://schemas.microsoft.com/office/drawing/2014/main" id="{542AD4EC-F902-B76B-C685-15842E6B577C}"/>
+              </a:ext>
+            </a:extLst>
+          </p:cNvPr>
+          <p:cNvSpPr txBox="1"/>
+          <p:nvPr/>
+        </p:nvSpPr>
         <p:spPr>
           <a:xfrm>
-            <a:off x="5505674" y="1693334"/>
-            <a:ext cx="5413263" cy="0"/>
-          </a:xfrm>
-          <a:prstGeom prst="line">
-            <a:avLst/>
-          </a:prstGeom>
-        </p:spPr>
-        <p:style>
-          <a:lnRef idx="2">
-            <a:schemeClr val="dk1"/>
-          </a:lnRef>
-          <a:fillRef idx="0">
-            <a:schemeClr val="dk1"/>
-          </a:fillRef>
-          <a:effectRef idx="1">
-            <a:schemeClr val="dk1"/>
-          </a:effectRef>
-          <a:fontRef idx="minor">
-            <a:schemeClr val="tx1"/>
-          </a:fontRef>
-        </p:style>
-      </p:cxnSp>
-      <p:sp>
-        <p:nvSpPr>
-          <p:cNvPr id="13" name="TextBox 12">
-            <a:extLst>
-              <a:ext uri="{FF2B5EF4-FFF2-40B4-BE49-F238E27FC236}">
-                <a16:creationId xmlns:a16="http://schemas.microsoft.com/office/drawing/2014/main" id="{E82DA449-BE3F-6377-1174-84FDC214D669}"/>
-              </a:ext>
-            </a:extLst>
-          </p:cNvPr>
-          <p:cNvSpPr txBox="1"/>
-          <p:nvPr/>
-        </p:nvSpPr>
-        <p:spPr>
-          <a:xfrm>
-            <a:off x="5505674" y="1784139"/>
-            <a:ext cx="5413262" cy="2308324"/>
+            <a:off x="939799" y="4456643"/>
+            <a:ext cx="5223933" cy="954107"/>
           </a:xfrm>
           <a:prstGeom prst="rect">
             <a:avLst/>
@@ -3863,81 +4267,94 @@
           <a:lstStyle/>
           <a:p>
             <a:r>
-              <a:rPr lang="en-US" dirty="0"/>
-              <a:t>+add(Event event):</a:t>
-            </a:r>
-            <a:r>
-              <a:rPr lang="en-US" dirty="0" err="1"/>
-              <a:t>boolean</a:t>
-            </a:r>
-            <a:endParaRPr lang="en-US" dirty="0"/>
-          </a:p>
-          <a:p>
-            <a:r>
-              <a:rPr lang="en-US" dirty="0"/>
-              <a:t>+remove(String </a:t>
-            </a:r>
-            <a:r>
-              <a:rPr lang="en-US" dirty="0" err="1"/>
-              <a:t>eventID</a:t>
-            </a:r>
-            <a:r>
-              <a:rPr lang="en-US" dirty="0"/>
-              <a:t>): </a:t>
-            </a:r>
-            <a:r>
-              <a:rPr lang="en-US" dirty="0" err="1"/>
-              <a:t>boolean</a:t>
-            </a:r>
-            <a:endParaRPr lang="en-US" dirty="0"/>
-          </a:p>
-          <a:p>
-            <a:r>
-              <a:rPr lang="en-US" dirty="0"/>
+              <a:rPr lang="en-US" sz="1400" dirty="0"/>
               <a:t>+</a:t>
             </a:r>
             <a:r>
-              <a:rPr lang="en-US" dirty="0" err="1"/>
-              <a:t>modifyEvent</a:t>
-            </a:r>
-            <a:r>
-              <a:rPr lang="en-US" dirty="0"/>
-              <a:t>(String </a:t>
-            </a:r>
-            <a:r>
-              <a:rPr lang="en-US" dirty="0" err="1"/>
-              <a:t>eventID</a:t>
-            </a:r>
-            <a:r>
-              <a:rPr lang="en-US" dirty="0"/>
-              <a:t>, String attribute, Object </a:t>
-            </a:r>
-            <a:r>
-              <a:rPr lang="en-US" dirty="0" err="1"/>
-              <a:t>newValue</a:t>
-            </a:r>
-            <a:r>
-              <a:rPr lang="en-US" dirty="0"/>
-              <a:t>): Boolean</a:t>
-            </a:r>
-          </a:p>
-          <a:p>
-            <a:r>
-              <a:rPr lang="en-US" dirty="0"/>
-              <a:t>+search(String attribute, Object value): String[]</a:t>
-            </a:r>
-          </a:p>
-          <a:p>
-            <a:r>
-              <a:rPr lang="en-US" dirty="0"/>
-              <a:t>+view(String attribute, Object value): void</a:t>
-            </a:r>
-          </a:p>
-          <a:p>
-            <a:endParaRPr lang="en-US" dirty="0"/>
-          </a:p>
-          <a:p>
-            <a:endParaRPr lang="en-US" dirty="0"/>
+              <a:rPr lang="en-US" sz="1400" dirty="0" err="1"/>
+              <a:t>EventSummary</a:t>
+            </a:r>
+            <a:r>
+              <a:rPr lang="en-US" sz="1400" dirty="0"/>
+              <a:t>(</a:t>
+            </a:r>
+            <a:r>
+              <a:rPr lang="en-US" sz="1400" dirty="0" err="1"/>
+              <a:t>EventCollection</a:t>
+            </a:r>
+            <a:r>
+              <a:rPr lang="en-US" sz="1400" dirty="0"/>
+              <a:t> </a:t>
+            </a:r>
+            <a:r>
+              <a:rPr lang="en-US" sz="1400" dirty="0" err="1"/>
+              <a:t>eventCollection</a:t>
+            </a:r>
+            <a:r>
+              <a:rPr lang="en-US" sz="1400" dirty="0"/>
+              <a:t>): void</a:t>
+            </a:r>
+          </a:p>
+          <a:p>
+            <a:r>
+              <a:rPr lang="en-US" sz="1400" dirty="0"/>
+              <a:t>+</a:t>
+            </a:r>
+            <a:r>
+              <a:rPr lang="en-US" sz="1400" dirty="0" err="1"/>
+              <a:t>EventSummary</a:t>
+            </a:r>
+            <a:r>
+              <a:rPr lang="en-US" sz="1400" dirty="0"/>
+              <a:t>(</a:t>
+            </a:r>
+            <a:r>
+              <a:rPr lang="en-US" sz="1400" dirty="0" err="1"/>
+              <a:t>EventCollection</a:t>
+            </a:r>
+            <a:r>
+              <a:rPr lang="en-US" sz="1400" dirty="0"/>
+              <a:t> </a:t>
+            </a:r>
+            <a:r>
+              <a:rPr lang="en-US" sz="1400" dirty="0" err="1"/>
+              <a:t>eventCollection</a:t>
+            </a:r>
+            <a:r>
+              <a:rPr lang="en-US" sz="1400" dirty="0"/>
+              <a:t>, </a:t>
+            </a:r>
+            <a:r>
+              <a:rPr lang="en-US" sz="1400" dirty="0" err="1"/>
+              <a:t>LocalDateTime</a:t>
+            </a:r>
+            <a:r>
+              <a:rPr lang="en-US" sz="1400" dirty="0"/>
+              <a:t> start, </a:t>
+            </a:r>
+            <a:r>
+              <a:rPr lang="en-US" sz="1400" dirty="0" err="1"/>
+              <a:t>LocalDateTime</a:t>
+            </a:r>
+            <a:r>
+              <a:rPr lang="en-US" sz="1400" dirty="0"/>
+              <a:t> end): void</a:t>
+            </a:r>
+          </a:p>
+          <a:p>
+            <a:r>
+              <a:rPr lang="en-US" sz="1400" dirty="0"/>
+              <a:t>+</a:t>
+            </a:r>
+            <a:r>
+              <a:rPr lang="en-US" sz="1400" dirty="0" err="1"/>
+              <a:t>generateSummary</a:t>
+            </a:r>
+            <a:r>
+              <a:rPr lang="en-US" sz="1400"/>
+              <a:t>(): void</a:t>
+            </a:r>
+            <a:endParaRPr lang="en-US" sz="1400" dirty="0"/>
           </a:p>
         </p:txBody>
       </p:sp>
